--- a/docs/dalmaden_processmap.pptx
+++ b/docs/dalmaden_processmap.pptx
@@ -104,6 +104,11 @@
       </a:defRPr>
     </a:lvl9pPr>
   </p:defaultTextStyle>
+  <p:extLst>
+    <p:ext uri="{EFAFB233-063F-42B5-8137-9DF3F51BA10A}">
+      <p15:sldGuideLst xmlns:p15="http://schemas.microsoft.com/office/powerpoint/2012/main"/>
+    </p:ext>
+  </p:extLst>
 </p:presentation>
 </file>
 
@@ -254,7 +259,7 @@
           <a:p>
             <a:fld id="{B12C29B3-C029-4162-A7BC-ABA9AE122613}" type="datetimeFigureOut">
               <a:rPr lang="ko-KR" altLang="en-US" smtClean="0"/>
-              <a:t>2020-06-04</a:t>
+              <a:t>2020-06-05</a:t>
             </a:fld>
             <a:endParaRPr lang="ko-KR" altLang="en-US"/>
           </a:p>
@@ -452,7 +457,7 @@
           <a:p>
             <a:fld id="{B12C29B3-C029-4162-A7BC-ABA9AE122613}" type="datetimeFigureOut">
               <a:rPr lang="ko-KR" altLang="en-US" smtClean="0"/>
-              <a:t>2020-06-04</a:t>
+              <a:t>2020-06-05</a:t>
             </a:fld>
             <a:endParaRPr lang="ko-KR" altLang="en-US"/>
           </a:p>
@@ -660,7 +665,7 @@
           <a:p>
             <a:fld id="{B12C29B3-C029-4162-A7BC-ABA9AE122613}" type="datetimeFigureOut">
               <a:rPr lang="ko-KR" altLang="en-US" smtClean="0"/>
-              <a:t>2020-06-04</a:t>
+              <a:t>2020-06-05</a:t>
             </a:fld>
             <a:endParaRPr lang="ko-KR" altLang="en-US"/>
           </a:p>
@@ -858,7 +863,7 @@
           <a:p>
             <a:fld id="{B12C29B3-C029-4162-A7BC-ABA9AE122613}" type="datetimeFigureOut">
               <a:rPr lang="ko-KR" altLang="en-US" smtClean="0"/>
-              <a:t>2020-06-04</a:t>
+              <a:t>2020-06-05</a:t>
             </a:fld>
             <a:endParaRPr lang="ko-KR" altLang="en-US"/>
           </a:p>
@@ -1133,7 +1138,7 @@
           <a:p>
             <a:fld id="{B12C29B3-C029-4162-A7BC-ABA9AE122613}" type="datetimeFigureOut">
               <a:rPr lang="ko-KR" altLang="en-US" smtClean="0"/>
-              <a:t>2020-06-04</a:t>
+              <a:t>2020-06-05</a:t>
             </a:fld>
             <a:endParaRPr lang="ko-KR" altLang="en-US"/>
           </a:p>
@@ -1398,7 +1403,7 @@
           <a:p>
             <a:fld id="{B12C29B3-C029-4162-A7BC-ABA9AE122613}" type="datetimeFigureOut">
               <a:rPr lang="ko-KR" altLang="en-US" smtClean="0"/>
-              <a:t>2020-06-04</a:t>
+              <a:t>2020-06-05</a:t>
             </a:fld>
             <a:endParaRPr lang="ko-KR" altLang="en-US"/>
           </a:p>
@@ -1810,7 +1815,7 @@
           <a:p>
             <a:fld id="{B12C29B3-C029-4162-A7BC-ABA9AE122613}" type="datetimeFigureOut">
               <a:rPr lang="ko-KR" altLang="en-US" smtClean="0"/>
-              <a:t>2020-06-04</a:t>
+              <a:t>2020-06-05</a:t>
             </a:fld>
             <a:endParaRPr lang="ko-KR" altLang="en-US"/>
           </a:p>
@@ -1951,7 +1956,7 @@
           <a:p>
             <a:fld id="{B12C29B3-C029-4162-A7BC-ABA9AE122613}" type="datetimeFigureOut">
               <a:rPr lang="ko-KR" altLang="en-US" smtClean="0"/>
-              <a:t>2020-06-04</a:t>
+              <a:t>2020-06-05</a:t>
             </a:fld>
             <a:endParaRPr lang="ko-KR" altLang="en-US"/>
           </a:p>
@@ -2064,7 +2069,7 @@
           <a:p>
             <a:fld id="{B12C29B3-C029-4162-A7BC-ABA9AE122613}" type="datetimeFigureOut">
               <a:rPr lang="ko-KR" altLang="en-US" smtClean="0"/>
-              <a:t>2020-06-04</a:t>
+              <a:t>2020-06-05</a:t>
             </a:fld>
             <a:endParaRPr lang="ko-KR" altLang="en-US"/>
           </a:p>
@@ -2375,7 +2380,7 @@
           <a:p>
             <a:fld id="{B12C29B3-C029-4162-A7BC-ABA9AE122613}" type="datetimeFigureOut">
               <a:rPr lang="ko-KR" altLang="en-US" smtClean="0"/>
-              <a:t>2020-06-04</a:t>
+              <a:t>2020-06-05</a:t>
             </a:fld>
             <a:endParaRPr lang="ko-KR" altLang="en-US"/>
           </a:p>
@@ -2663,7 +2668,7 @@
           <a:p>
             <a:fld id="{B12C29B3-C029-4162-A7BC-ABA9AE122613}" type="datetimeFigureOut">
               <a:rPr lang="ko-KR" altLang="en-US" smtClean="0"/>
-              <a:t>2020-06-04</a:t>
+              <a:t>2020-06-05</a:t>
             </a:fld>
             <a:endParaRPr lang="ko-KR" altLang="en-US"/>
           </a:p>
@@ -2904,7 +2909,7 @@
           <a:p>
             <a:fld id="{B12C29B3-C029-4162-A7BC-ABA9AE122613}" type="datetimeFigureOut">
               <a:rPr lang="ko-KR" altLang="en-US" smtClean="0"/>
-              <a:t>2020-06-04</a:t>
+              <a:t>2020-06-05</a:t>
             </a:fld>
             <a:endParaRPr lang="ko-KR" altLang="en-US"/>
           </a:p>
@@ -4858,9 +4863,10 @@
           <a:p>
             <a:pPr algn="ctr"/>
             <a:r>
-              <a:rPr lang="en-US" altLang="ko-KR" sz="1100" dirty="0"/>
+              <a:rPr lang="en-US" altLang="ko-KR" sz="1100"/>
               <a:t>Cleanser by Sentence</a:t>
             </a:r>
+            <a:endParaRPr lang="en-US" altLang="ko-KR" sz="1100" dirty="0"/>
           </a:p>
         </p:txBody>
       </p:sp>
@@ -4907,9 +4913,10 @@
           <a:p>
             <a:pPr algn="ctr"/>
             <a:r>
-              <a:rPr lang="en-US" altLang="ko-KR" sz="1100" dirty="0"/>
+              <a:rPr lang="en-US" altLang="ko-KR" sz="1100"/>
               <a:t>Split Sentence</a:t>
             </a:r>
+            <a:endParaRPr lang="en-US" altLang="ko-KR" sz="1100" dirty="0"/>
           </a:p>
         </p:txBody>
       </p:sp>
@@ -5928,9 +5935,10 @@
           <a:p>
             <a:pPr algn="ctr"/>
             <a:r>
-              <a:rPr lang="en-US" altLang="ko-KR" sz="1100" dirty="0"/>
+              <a:rPr lang="en-US" altLang="ko-KR" sz="1100"/>
               <a:t>Cleanser by Document</a:t>
             </a:r>
+            <a:endParaRPr lang="en-US" altLang="ko-KR" sz="1100" dirty="0"/>
           </a:p>
         </p:txBody>
       </p:sp>
@@ -6032,7 +6040,7 @@
           </p:cNvPr>
           <p:cNvCxnSpPr>
             <a:cxnSpLocks/>
-            <a:stCxn id="72" idx="3"/>
+            <a:stCxn id="71" idx="3"/>
             <a:endCxn id="95" idx="2"/>
           </p:cNvCxnSpPr>
           <p:nvPr/>
@@ -6040,12 +6048,12 @@
         <p:spPr>
           <a:xfrm flipH="1" flipV="1">
             <a:off x="6345145" y="2203053"/>
-            <a:ext cx="2051832" cy="3301068"/>
+            <a:ext cx="2045815" cy="3751736"/>
           </a:xfrm>
           <a:prstGeom prst="bentConnector4">
             <a:avLst>
-              <a:gd name="adj1" fmla="val -11141"/>
-              <a:gd name="adj2" fmla="val 59425"/>
+              <a:gd name="adj1" fmla="val -11174"/>
+              <a:gd name="adj2" fmla="val 64445"/>
             </a:avLst>
           </a:prstGeom>
           <a:ln>
@@ -6109,6 +6117,822 @@
           </a:fontRef>
         </p:style>
       </p:cxnSp>
+      <p:sp>
+        <p:nvSpPr>
+          <p:cNvPr id="13" name="타원 12">
+            <a:extLst>
+              <a:ext uri="{FF2B5EF4-FFF2-40B4-BE49-F238E27FC236}">
+                <a16:creationId xmlns:a16="http://schemas.microsoft.com/office/drawing/2014/main" id="{127615BC-31E8-478E-BE68-03B4E0A51B75}"/>
+              </a:ext>
+            </a:extLst>
+          </p:cNvPr>
+          <p:cNvSpPr/>
+          <p:nvPr/>
+        </p:nvSpPr>
+        <p:spPr>
+          <a:xfrm>
+            <a:off x="4175714" y="3981147"/>
+            <a:ext cx="284871" cy="284871"/>
+          </a:xfrm>
+          <a:prstGeom prst="ellipse">
+            <a:avLst/>
+          </a:prstGeom>
+          <a:solidFill>
+            <a:schemeClr val="accent5">
+              <a:lumMod val="20000"/>
+              <a:lumOff val="80000"/>
+            </a:schemeClr>
+          </a:solidFill>
+          <a:ln w="38100">
+            <a:solidFill>
+              <a:schemeClr val="accent5">
+                <a:lumMod val="75000"/>
+              </a:schemeClr>
+            </a:solidFill>
+          </a:ln>
+        </p:spPr>
+        <p:style>
+          <a:lnRef idx="2">
+            <a:schemeClr val="accent1">
+              <a:shade val="50000"/>
+            </a:schemeClr>
+          </a:lnRef>
+          <a:fillRef idx="1">
+            <a:schemeClr val="accent1"/>
+          </a:fillRef>
+          <a:effectRef idx="0">
+            <a:schemeClr val="accent1"/>
+          </a:effectRef>
+          <a:fontRef idx="minor">
+            <a:schemeClr val="lt1"/>
+          </a:fontRef>
+        </p:style>
+        <p:txBody>
+          <a:bodyPr lIns="0" rIns="0" rtlCol="0" anchor="ctr"/>
+          <a:lstStyle/>
+          <a:p>
+            <a:pPr algn="ctr"/>
+            <a:r>
+              <a:rPr lang="en-US" altLang="ko-KR" sz="1100" b="1" dirty="0">
+                <a:solidFill>
+                  <a:schemeClr val="accent5">
+                    <a:lumMod val="75000"/>
+                  </a:schemeClr>
+                </a:solidFill>
+                <a:effectLst>
+                  <a:outerShdw blurRad="38100" dist="38100" dir="2700000" algn="tl">
+                    <a:srgbClr val="000000">
+                      <a:alpha val="43137"/>
+                    </a:srgbClr>
+                  </a:outerShdw>
+                </a:effectLst>
+              </a:rPr>
+              <a:t>OK</a:t>
+            </a:r>
+            <a:endParaRPr lang="ko-KR" altLang="en-US" sz="1100" b="1" dirty="0">
+              <a:solidFill>
+                <a:schemeClr val="accent5">
+                  <a:lumMod val="75000"/>
+                </a:schemeClr>
+              </a:solidFill>
+              <a:effectLst>
+                <a:outerShdw blurRad="38100" dist="38100" dir="2700000" algn="tl">
+                  <a:srgbClr val="000000">
+                    <a:alpha val="43137"/>
+                  </a:srgbClr>
+                </a:outerShdw>
+              </a:effectLst>
+            </a:endParaRPr>
+          </a:p>
+        </p:txBody>
+      </p:sp>
+      <p:sp>
+        <p:nvSpPr>
+          <p:cNvPr id="60" name="타원 59">
+            <a:extLst>
+              <a:ext uri="{FF2B5EF4-FFF2-40B4-BE49-F238E27FC236}">
+                <a16:creationId xmlns:a16="http://schemas.microsoft.com/office/drawing/2014/main" id="{BE3F8431-5C92-4A8E-9DC3-F875A9579618}"/>
+              </a:ext>
+            </a:extLst>
+          </p:cNvPr>
+          <p:cNvSpPr/>
+          <p:nvPr/>
+        </p:nvSpPr>
+        <p:spPr>
+          <a:xfrm>
+            <a:off x="5425718" y="3971987"/>
+            <a:ext cx="284871" cy="284871"/>
+          </a:xfrm>
+          <a:prstGeom prst="ellipse">
+            <a:avLst/>
+          </a:prstGeom>
+          <a:solidFill>
+            <a:schemeClr val="accent5">
+              <a:lumMod val="20000"/>
+              <a:lumOff val="80000"/>
+            </a:schemeClr>
+          </a:solidFill>
+          <a:ln w="38100">
+            <a:solidFill>
+              <a:schemeClr val="accent5">
+                <a:lumMod val="75000"/>
+              </a:schemeClr>
+            </a:solidFill>
+          </a:ln>
+        </p:spPr>
+        <p:style>
+          <a:lnRef idx="2">
+            <a:schemeClr val="accent1">
+              <a:shade val="50000"/>
+            </a:schemeClr>
+          </a:lnRef>
+          <a:fillRef idx="1">
+            <a:schemeClr val="accent1"/>
+          </a:fillRef>
+          <a:effectRef idx="0">
+            <a:schemeClr val="accent1"/>
+          </a:effectRef>
+          <a:fontRef idx="minor">
+            <a:schemeClr val="lt1"/>
+          </a:fontRef>
+        </p:style>
+        <p:txBody>
+          <a:bodyPr lIns="0" rIns="0" rtlCol="0" anchor="ctr"/>
+          <a:lstStyle/>
+          <a:p>
+            <a:pPr algn="ctr"/>
+            <a:r>
+              <a:rPr lang="en-US" altLang="ko-KR" sz="1100" b="1" dirty="0">
+                <a:solidFill>
+                  <a:schemeClr val="accent5">
+                    <a:lumMod val="75000"/>
+                  </a:schemeClr>
+                </a:solidFill>
+                <a:effectLst>
+                  <a:outerShdw blurRad="38100" dist="38100" dir="2700000" algn="tl">
+                    <a:srgbClr val="000000">
+                      <a:alpha val="43137"/>
+                    </a:srgbClr>
+                  </a:outerShdw>
+                </a:effectLst>
+              </a:rPr>
+              <a:t>OK</a:t>
+            </a:r>
+            <a:endParaRPr lang="ko-KR" altLang="en-US" sz="1100" b="1" dirty="0">
+              <a:solidFill>
+                <a:schemeClr val="accent5">
+                  <a:lumMod val="75000"/>
+                </a:schemeClr>
+              </a:solidFill>
+              <a:effectLst>
+                <a:outerShdw blurRad="38100" dist="38100" dir="2700000" algn="tl">
+                  <a:srgbClr val="000000">
+                    <a:alpha val="43137"/>
+                  </a:srgbClr>
+                </a:outerShdw>
+              </a:effectLst>
+            </a:endParaRPr>
+          </a:p>
+        </p:txBody>
+      </p:sp>
+      <p:sp>
+        <p:nvSpPr>
+          <p:cNvPr id="61" name="타원 60">
+            <a:extLst>
+              <a:ext uri="{FF2B5EF4-FFF2-40B4-BE49-F238E27FC236}">
+                <a16:creationId xmlns:a16="http://schemas.microsoft.com/office/drawing/2014/main" id="{931763DB-6B03-4214-B1D5-DB8602CCF800}"/>
+              </a:ext>
+            </a:extLst>
+          </p:cNvPr>
+          <p:cNvSpPr/>
+          <p:nvPr/>
+        </p:nvSpPr>
+        <p:spPr>
+          <a:xfrm>
+            <a:off x="4167338" y="4379711"/>
+            <a:ext cx="284871" cy="284871"/>
+          </a:xfrm>
+          <a:prstGeom prst="ellipse">
+            <a:avLst/>
+          </a:prstGeom>
+          <a:solidFill>
+            <a:schemeClr val="accent5">
+              <a:lumMod val="20000"/>
+              <a:lumOff val="80000"/>
+            </a:schemeClr>
+          </a:solidFill>
+          <a:ln w="38100">
+            <a:solidFill>
+              <a:schemeClr val="accent5">
+                <a:lumMod val="75000"/>
+              </a:schemeClr>
+            </a:solidFill>
+          </a:ln>
+        </p:spPr>
+        <p:style>
+          <a:lnRef idx="2">
+            <a:schemeClr val="accent1">
+              <a:shade val="50000"/>
+            </a:schemeClr>
+          </a:lnRef>
+          <a:fillRef idx="1">
+            <a:schemeClr val="accent1"/>
+          </a:fillRef>
+          <a:effectRef idx="0">
+            <a:schemeClr val="accent1"/>
+          </a:effectRef>
+          <a:fontRef idx="minor">
+            <a:schemeClr val="lt1"/>
+          </a:fontRef>
+        </p:style>
+        <p:txBody>
+          <a:bodyPr lIns="0" rIns="0" rtlCol="0" anchor="ctr"/>
+          <a:lstStyle/>
+          <a:p>
+            <a:pPr algn="ctr"/>
+            <a:r>
+              <a:rPr lang="en-US" altLang="ko-KR" sz="1100" b="1" dirty="0">
+                <a:solidFill>
+                  <a:schemeClr val="accent5">
+                    <a:lumMod val="75000"/>
+                  </a:schemeClr>
+                </a:solidFill>
+                <a:effectLst>
+                  <a:outerShdw blurRad="38100" dist="38100" dir="2700000" algn="tl">
+                    <a:srgbClr val="000000">
+                      <a:alpha val="43137"/>
+                    </a:srgbClr>
+                  </a:outerShdw>
+                </a:effectLst>
+              </a:rPr>
+              <a:t>OK</a:t>
+            </a:r>
+            <a:endParaRPr lang="ko-KR" altLang="en-US" sz="1100" b="1" dirty="0">
+              <a:solidFill>
+                <a:schemeClr val="accent5">
+                  <a:lumMod val="75000"/>
+                </a:schemeClr>
+              </a:solidFill>
+              <a:effectLst>
+                <a:outerShdw blurRad="38100" dist="38100" dir="2700000" algn="tl">
+                  <a:srgbClr val="000000">
+                    <a:alpha val="43137"/>
+                  </a:srgbClr>
+                </a:outerShdw>
+              </a:effectLst>
+            </a:endParaRPr>
+          </a:p>
+        </p:txBody>
+      </p:sp>
+      <p:sp>
+        <p:nvSpPr>
+          <p:cNvPr id="62" name="타원 61">
+            <a:extLst>
+              <a:ext uri="{FF2B5EF4-FFF2-40B4-BE49-F238E27FC236}">
+                <a16:creationId xmlns:a16="http://schemas.microsoft.com/office/drawing/2014/main" id="{090E11FB-A479-4F33-9913-0FDFA7D19855}"/>
+              </a:ext>
+            </a:extLst>
+          </p:cNvPr>
+          <p:cNvSpPr/>
+          <p:nvPr/>
+        </p:nvSpPr>
+        <p:spPr>
+          <a:xfrm>
+            <a:off x="8106089" y="4479335"/>
+            <a:ext cx="284871" cy="284871"/>
+          </a:xfrm>
+          <a:prstGeom prst="ellipse">
+            <a:avLst/>
+          </a:prstGeom>
+          <a:solidFill>
+            <a:schemeClr val="accent5">
+              <a:lumMod val="20000"/>
+              <a:lumOff val="80000"/>
+            </a:schemeClr>
+          </a:solidFill>
+          <a:ln w="38100">
+            <a:solidFill>
+              <a:schemeClr val="accent5">
+                <a:lumMod val="75000"/>
+              </a:schemeClr>
+            </a:solidFill>
+          </a:ln>
+        </p:spPr>
+        <p:style>
+          <a:lnRef idx="2">
+            <a:schemeClr val="accent1">
+              <a:shade val="50000"/>
+            </a:schemeClr>
+          </a:lnRef>
+          <a:fillRef idx="1">
+            <a:schemeClr val="accent1"/>
+          </a:fillRef>
+          <a:effectRef idx="0">
+            <a:schemeClr val="accent1"/>
+          </a:effectRef>
+          <a:fontRef idx="minor">
+            <a:schemeClr val="lt1"/>
+          </a:fontRef>
+        </p:style>
+        <p:txBody>
+          <a:bodyPr lIns="0" rIns="0" rtlCol="0" anchor="ctr"/>
+          <a:lstStyle/>
+          <a:p>
+            <a:pPr algn="ctr"/>
+            <a:r>
+              <a:rPr lang="en-US" altLang="ko-KR" sz="1100" b="1" dirty="0">
+                <a:solidFill>
+                  <a:schemeClr val="accent5">
+                    <a:lumMod val="75000"/>
+                  </a:schemeClr>
+                </a:solidFill>
+                <a:effectLst>
+                  <a:outerShdw blurRad="38100" dist="38100" dir="2700000" algn="tl">
+                    <a:srgbClr val="000000">
+                      <a:alpha val="43137"/>
+                    </a:srgbClr>
+                  </a:outerShdw>
+                </a:effectLst>
+              </a:rPr>
+              <a:t>OK</a:t>
+            </a:r>
+            <a:endParaRPr lang="ko-KR" altLang="en-US" sz="1100" b="1" dirty="0">
+              <a:solidFill>
+                <a:schemeClr val="accent5">
+                  <a:lumMod val="75000"/>
+                </a:schemeClr>
+              </a:solidFill>
+              <a:effectLst>
+                <a:outerShdw blurRad="38100" dist="38100" dir="2700000" algn="tl">
+                  <a:srgbClr val="000000">
+                    <a:alpha val="43137"/>
+                  </a:srgbClr>
+                </a:outerShdw>
+              </a:effectLst>
+            </a:endParaRPr>
+          </a:p>
+        </p:txBody>
+      </p:sp>
+      <p:sp>
+        <p:nvSpPr>
+          <p:cNvPr id="64" name="타원 63">
+            <a:extLst>
+              <a:ext uri="{FF2B5EF4-FFF2-40B4-BE49-F238E27FC236}">
+                <a16:creationId xmlns:a16="http://schemas.microsoft.com/office/drawing/2014/main" id="{DABEE46F-87F8-448F-9DEA-02F2A495B7EA}"/>
+              </a:ext>
+            </a:extLst>
+          </p:cNvPr>
+          <p:cNvSpPr/>
+          <p:nvPr/>
+        </p:nvSpPr>
+        <p:spPr>
+          <a:xfrm>
+            <a:off x="8106088" y="4935674"/>
+            <a:ext cx="284871" cy="284871"/>
+          </a:xfrm>
+          <a:prstGeom prst="ellipse">
+            <a:avLst/>
+          </a:prstGeom>
+          <a:solidFill>
+            <a:schemeClr val="accent5">
+              <a:lumMod val="20000"/>
+              <a:lumOff val="80000"/>
+            </a:schemeClr>
+          </a:solidFill>
+          <a:ln w="38100">
+            <a:solidFill>
+              <a:schemeClr val="accent5">
+                <a:lumMod val="75000"/>
+              </a:schemeClr>
+            </a:solidFill>
+          </a:ln>
+        </p:spPr>
+        <p:style>
+          <a:lnRef idx="2">
+            <a:schemeClr val="accent1">
+              <a:shade val="50000"/>
+            </a:schemeClr>
+          </a:lnRef>
+          <a:fillRef idx="1">
+            <a:schemeClr val="accent1"/>
+          </a:fillRef>
+          <a:effectRef idx="0">
+            <a:schemeClr val="accent1"/>
+          </a:effectRef>
+          <a:fontRef idx="minor">
+            <a:schemeClr val="lt1"/>
+          </a:fontRef>
+        </p:style>
+        <p:txBody>
+          <a:bodyPr lIns="0" rIns="0" rtlCol="0" anchor="ctr"/>
+          <a:lstStyle/>
+          <a:p>
+            <a:pPr algn="ctr"/>
+            <a:r>
+              <a:rPr lang="en-US" altLang="ko-KR" sz="1100" b="1" dirty="0">
+                <a:solidFill>
+                  <a:schemeClr val="accent5">
+                    <a:lumMod val="75000"/>
+                  </a:schemeClr>
+                </a:solidFill>
+                <a:effectLst>
+                  <a:outerShdw blurRad="38100" dist="38100" dir="2700000" algn="tl">
+                    <a:srgbClr val="000000">
+                      <a:alpha val="43137"/>
+                    </a:srgbClr>
+                  </a:outerShdw>
+                </a:effectLst>
+              </a:rPr>
+              <a:t>OK</a:t>
+            </a:r>
+            <a:endParaRPr lang="ko-KR" altLang="en-US" sz="1100" b="1" dirty="0">
+              <a:solidFill>
+                <a:schemeClr val="accent5">
+                  <a:lumMod val="75000"/>
+                </a:schemeClr>
+              </a:solidFill>
+              <a:effectLst>
+                <a:outerShdw blurRad="38100" dist="38100" dir="2700000" algn="tl">
+                  <a:srgbClr val="000000">
+                    <a:alpha val="43137"/>
+                  </a:srgbClr>
+                </a:outerShdw>
+              </a:effectLst>
+            </a:endParaRPr>
+          </a:p>
+        </p:txBody>
+      </p:sp>
+      <p:sp>
+        <p:nvSpPr>
+          <p:cNvPr id="65" name="타원 64">
+            <a:extLst>
+              <a:ext uri="{FF2B5EF4-FFF2-40B4-BE49-F238E27FC236}">
+                <a16:creationId xmlns:a16="http://schemas.microsoft.com/office/drawing/2014/main" id="{D387C989-BE85-44A6-9815-E00A977514C4}"/>
+              </a:ext>
+            </a:extLst>
+          </p:cNvPr>
+          <p:cNvSpPr/>
+          <p:nvPr/>
+        </p:nvSpPr>
+        <p:spPr>
+          <a:xfrm>
+            <a:off x="8106087" y="5371031"/>
+            <a:ext cx="284871" cy="284871"/>
+          </a:xfrm>
+          <a:prstGeom prst="ellipse">
+            <a:avLst/>
+          </a:prstGeom>
+          <a:solidFill>
+            <a:schemeClr val="accent5">
+              <a:lumMod val="20000"/>
+              <a:lumOff val="80000"/>
+            </a:schemeClr>
+          </a:solidFill>
+          <a:ln w="38100">
+            <a:solidFill>
+              <a:schemeClr val="accent5">
+                <a:lumMod val="75000"/>
+              </a:schemeClr>
+            </a:solidFill>
+          </a:ln>
+        </p:spPr>
+        <p:style>
+          <a:lnRef idx="2">
+            <a:schemeClr val="accent1">
+              <a:shade val="50000"/>
+            </a:schemeClr>
+          </a:lnRef>
+          <a:fillRef idx="1">
+            <a:schemeClr val="accent1"/>
+          </a:fillRef>
+          <a:effectRef idx="0">
+            <a:schemeClr val="accent1"/>
+          </a:effectRef>
+          <a:fontRef idx="minor">
+            <a:schemeClr val="lt1"/>
+          </a:fontRef>
+        </p:style>
+        <p:txBody>
+          <a:bodyPr lIns="0" rIns="0" rtlCol="0" anchor="ctr"/>
+          <a:lstStyle/>
+          <a:p>
+            <a:pPr algn="ctr"/>
+            <a:r>
+              <a:rPr lang="en-US" altLang="ko-KR" sz="1100" b="1" dirty="0">
+                <a:solidFill>
+                  <a:schemeClr val="accent5">
+                    <a:lumMod val="75000"/>
+                  </a:schemeClr>
+                </a:solidFill>
+                <a:effectLst>
+                  <a:outerShdw blurRad="38100" dist="38100" dir="2700000" algn="tl">
+                    <a:srgbClr val="000000">
+                      <a:alpha val="43137"/>
+                    </a:srgbClr>
+                  </a:outerShdw>
+                </a:effectLst>
+              </a:rPr>
+              <a:t>?</a:t>
+            </a:r>
+            <a:endParaRPr lang="ko-KR" altLang="en-US" sz="1100" b="1" dirty="0">
+              <a:solidFill>
+                <a:schemeClr val="accent5">
+                  <a:lumMod val="75000"/>
+                </a:schemeClr>
+              </a:solidFill>
+              <a:effectLst>
+                <a:outerShdw blurRad="38100" dist="38100" dir="2700000" algn="tl">
+                  <a:srgbClr val="000000">
+                    <a:alpha val="43137"/>
+                  </a:srgbClr>
+                </a:outerShdw>
+              </a:effectLst>
+            </a:endParaRPr>
+          </a:p>
+        </p:txBody>
+      </p:sp>
+      <p:sp>
+        <p:nvSpPr>
+          <p:cNvPr id="66" name="타원 65">
+            <a:extLst>
+              <a:ext uri="{FF2B5EF4-FFF2-40B4-BE49-F238E27FC236}">
+                <a16:creationId xmlns:a16="http://schemas.microsoft.com/office/drawing/2014/main" id="{939ADCE7-12B2-493C-A2C0-53C954DE4A32}"/>
+              </a:ext>
+            </a:extLst>
+          </p:cNvPr>
+          <p:cNvSpPr/>
+          <p:nvPr/>
+        </p:nvSpPr>
+        <p:spPr>
+          <a:xfrm>
+            <a:off x="8106086" y="5796532"/>
+            <a:ext cx="284871" cy="284871"/>
+          </a:xfrm>
+          <a:prstGeom prst="ellipse">
+            <a:avLst/>
+          </a:prstGeom>
+          <a:solidFill>
+            <a:schemeClr val="accent5">
+              <a:lumMod val="20000"/>
+              <a:lumOff val="80000"/>
+            </a:schemeClr>
+          </a:solidFill>
+          <a:ln w="38100">
+            <a:solidFill>
+              <a:schemeClr val="accent5">
+                <a:lumMod val="75000"/>
+              </a:schemeClr>
+            </a:solidFill>
+          </a:ln>
+        </p:spPr>
+        <p:style>
+          <a:lnRef idx="2">
+            <a:schemeClr val="accent1">
+              <a:shade val="50000"/>
+            </a:schemeClr>
+          </a:lnRef>
+          <a:fillRef idx="1">
+            <a:schemeClr val="accent1"/>
+          </a:fillRef>
+          <a:effectRef idx="0">
+            <a:schemeClr val="accent1"/>
+          </a:effectRef>
+          <a:fontRef idx="minor">
+            <a:schemeClr val="lt1"/>
+          </a:fontRef>
+        </p:style>
+        <p:txBody>
+          <a:bodyPr lIns="0" rIns="0" rtlCol="0" anchor="ctr"/>
+          <a:lstStyle/>
+          <a:p>
+            <a:pPr algn="ctr"/>
+            <a:r>
+              <a:rPr lang="en-US" altLang="ko-KR" sz="1100" b="1" dirty="0">
+                <a:solidFill>
+                  <a:schemeClr val="accent5">
+                    <a:lumMod val="75000"/>
+                  </a:schemeClr>
+                </a:solidFill>
+                <a:effectLst>
+                  <a:outerShdw blurRad="38100" dist="38100" dir="2700000" algn="tl">
+                    <a:srgbClr val="000000">
+                      <a:alpha val="43137"/>
+                    </a:srgbClr>
+                  </a:outerShdw>
+                </a:effectLst>
+              </a:rPr>
+              <a:t>OK</a:t>
+            </a:r>
+            <a:endParaRPr lang="ko-KR" altLang="en-US" sz="1100" b="1" dirty="0">
+              <a:solidFill>
+                <a:schemeClr val="accent5">
+                  <a:lumMod val="75000"/>
+                </a:schemeClr>
+              </a:solidFill>
+              <a:effectLst>
+                <a:outerShdw blurRad="38100" dist="38100" dir="2700000" algn="tl">
+                  <a:srgbClr val="000000">
+                    <a:alpha val="43137"/>
+                  </a:srgbClr>
+                </a:outerShdw>
+              </a:effectLst>
+            </a:endParaRPr>
+          </a:p>
+        </p:txBody>
+      </p:sp>
+      <p:sp>
+        <p:nvSpPr>
+          <p:cNvPr id="15" name="TextBox 14">
+            <a:extLst>
+              <a:ext uri="{FF2B5EF4-FFF2-40B4-BE49-F238E27FC236}">
+                <a16:creationId xmlns:a16="http://schemas.microsoft.com/office/drawing/2014/main" id="{D2459F62-8173-42FB-8263-4AD7C709D7AF}"/>
+              </a:ext>
+            </a:extLst>
+          </p:cNvPr>
+          <p:cNvSpPr txBox="1"/>
+          <p:nvPr/>
+        </p:nvSpPr>
+        <p:spPr>
+          <a:xfrm>
+            <a:off x="8502513" y="5287736"/>
+            <a:ext cx="3512325" cy="412529"/>
+          </a:xfrm>
+          <a:prstGeom prst="rect">
+            <a:avLst/>
+          </a:prstGeom>
+          <a:solidFill>
+            <a:schemeClr val="accent2">
+              <a:lumMod val="20000"/>
+              <a:lumOff val="80000"/>
+            </a:schemeClr>
+          </a:solidFill>
+          <a:ln w="38100">
+            <a:solidFill>
+              <a:srgbClr val="C00000"/>
+            </a:solidFill>
+          </a:ln>
+        </p:spPr>
+        <p:style>
+          <a:lnRef idx="2">
+            <a:schemeClr val="accent1">
+              <a:shade val="50000"/>
+            </a:schemeClr>
+          </a:lnRef>
+          <a:fillRef idx="1">
+            <a:schemeClr val="accent1"/>
+          </a:fillRef>
+          <a:effectRef idx="0">
+            <a:schemeClr val="accent1"/>
+          </a:effectRef>
+          <a:fontRef idx="minor">
+            <a:schemeClr val="lt1"/>
+          </a:fontRef>
+        </p:style>
+        <p:txBody>
+          <a:bodyPr lIns="0" rIns="0" rtlCol="0" anchor="ctr"/>
+          <a:lstStyle>
+            <a:defPPr>
+              <a:defRPr lang="ko-KR"/>
+            </a:defPPr>
+            <a:lvl1pPr algn="ctr">
+              <a:defRPr sz="1100" b="1">
+                <a:solidFill>
+                  <a:schemeClr val="accent5">
+                    <a:lumMod val="75000"/>
+                  </a:schemeClr>
+                </a:solidFill>
+                <a:effectLst>
+                  <a:outerShdw blurRad="38100" dist="38100" dir="2700000" algn="tl">
+                    <a:srgbClr val="000000">
+                      <a:alpha val="43137"/>
+                    </a:srgbClr>
+                  </a:outerShdw>
+                </a:effectLst>
+              </a:defRPr>
+            </a:lvl1pPr>
+            <a:lvl2pPr>
+              <a:defRPr>
+                <a:solidFill>
+                  <a:schemeClr val="lt1"/>
+                </a:solidFill>
+              </a:defRPr>
+            </a:lvl2pPr>
+            <a:lvl3pPr>
+              <a:defRPr>
+                <a:solidFill>
+                  <a:schemeClr val="lt1"/>
+                </a:solidFill>
+              </a:defRPr>
+            </a:lvl3pPr>
+            <a:lvl4pPr>
+              <a:defRPr>
+                <a:solidFill>
+                  <a:schemeClr val="lt1"/>
+                </a:solidFill>
+              </a:defRPr>
+            </a:lvl4pPr>
+            <a:lvl5pPr>
+              <a:defRPr>
+                <a:solidFill>
+                  <a:schemeClr val="lt1"/>
+                </a:solidFill>
+              </a:defRPr>
+            </a:lvl5pPr>
+            <a:lvl6pPr>
+              <a:defRPr>
+                <a:solidFill>
+                  <a:schemeClr val="lt1"/>
+                </a:solidFill>
+              </a:defRPr>
+            </a:lvl6pPr>
+            <a:lvl7pPr>
+              <a:defRPr>
+                <a:solidFill>
+                  <a:schemeClr val="lt1"/>
+                </a:solidFill>
+              </a:defRPr>
+            </a:lvl7pPr>
+            <a:lvl8pPr>
+              <a:defRPr>
+                <a:solidFill>
+                  <a:schemeClr val="lt1"/>
+                </a:solidFill>
+              </a:defRPr>
+            </a:lvl8pPr>
+            <a:lvl9pPr>
+              <a:defRPr>
+                <a:solidFill>
+                  <a:schemeClr val="lt1"/>
+                </a:solidFill>
+              </a:defRPr>
+            </a:lvl9pPr>
+          </a:lstStyle>
+          <a:p>
+            <a:r>
+              <a:rPr lang="ko-KR" altLang="en-US" sz="1000" b="0" dirty="0">
+                <a:solidFill>
+                  <a:srgbClr val="C00000"/>
+                </a:solidFill>
+                <a:effectLst/>
+              </a:rPr>
+              <a:t>구문분석을 너무 짧게는 </a:t>
+            </a:r>
+            <a:r>
+              <a:rPr lang="ko-KR" altLang="en-US" sz="1000" b="0" dirty="0" err="1">
+                <a:solidFill>
+                  <a:srgbClr val="C00000"/>
+                </a:solidFill>
+                <a:effectLst/>
+              </a:rPr>
+              <a:t>안하지만</a:t>
+            </a:r>
+            <a:r>
+              <a:rPr lang="en-US" altLang="ko-KR" sz="1000" b="0" dirty="0">
+                <a:solidFill>
+                  <a:srgbClr val="C00000"/>
+                </a:solidFill>
+                <a:effectLst/>
+              </a:rPr>
+              <a:t>, </a:t>
+            </a:r>
+            <a:r>
+              <a:rPr lang="ko-KR" altLang="en-US" sz="1000" b="0" dirty="0">
+                <a:solidFill>
+                  <a:srgbClr val="C00000"/>
+                </a:solidFill>
+                <a:effectLst/>
+              </a:rPr>
+              <a:t>너무 길게 할 때가 많음</a:t>
+            </a:r>
+            <a:endParaRPr lang="en-US" altLang="ko-KR" sz="1000" b="0" dirty="0">
+              <a:solidFill>
+                <a:srgbClr val="C00000"/>
+              </a:solidFill>
+              <a:effectLst/>
+            </a:endParaRPr>
+          </a:p>
+          <a:p>
+            <a:r>
+              <a:rPr lang="en-US" altLang="ko-KR" sz="1000" b="0" dirty="0">
+                <a:solidFill>
+                  <a:srgbClr val="C00000"/>
+                </a:solidFill>
+                <a:effectLst/>
+              </a:rPr>
+              <a:t>300</a:t>
+            </a:r>
+            <a:r>
+              <a:rPr lang="ko-KR" altLang="en-US" sz="1000" b="0" dirty="0">
+                <a:solidFill>
+                  <a:srgbClr val="C00000"/>
+                </a:solidFill>
+                <a:effectLst/>
+              </a:rPr>
+              <a:t>을 넘을 때가 잦음</a:t>
+            </a:r>
+          </a:p>
+        </p:txBody>
+      </p:sp>
     </p:spTree>
     <p:extLst>
       <p:ext uri="{BB962C8B-B14F-4D97-AF65-F5344CB8AC3E}">
